--- a/Project/poster.pptx
+++ b/Project/poster.pptx
@@ -5833,7 +5833,7 @@
         <p:spPr>
           <a:xfrm>
             <a:off x="766508" y="27804348"/>
-            <a:ext cx="19689317" cy="872390"/>
+            <a:ext cx="25527410" cy="1052688"/>
           </a:xfrm>
           <a:prstGeom prst="rect">
             <a:avLst/>
@@ -6045,14 +6045,39 @@
               </a:rPr>
               <a:t>Valuation</a:t>
             </a:r>
-            <a:endParaRPr lang="fr-CH" sz="7400" dirty="0">
-              <a:solidFill>
-                <a:srgbClr val="C50A0B"/>
-              </a:solidFill>
-              <a:latin typeface="Cambria" panose="02040503050406030204" pitchFamily="18" charset="0"/>
-              <a:ea typeface="Fontin" charset="0"/>
-              <a:cs typeface="Fontin" charset="0"/>
-            </a:endParaRPr>
+            <a:r>
+              <a:rPr lang="fr-CH" sz="7400" dirty="0">
+                <a:solidFill>
+                  <a:srgbClr val="C50A0B"/>
+                </a:solidFill>
+                <a:latin typeface="Cambria" panose="02040503050406030204" pitchFamily="18" charset="0"/>
+                <a:ea typeface="Fontin" charset="0"/>
+                <a:cs typeface="Fontin" charset="0"/>
+              </a:rPr>
+              <a:t> (</a:t>
+            </a:r>
+            <a:r>
+              <a:rPr lang="fr-CH" sz="7400" dirty="0" err="1">
+                <a:solidFill>
+                  <a:srgbClr val="C50A0B"/>
+                </a:solidFill>
+                <a:latin typeface="Cambria" panose="02040503050406030204" pitchFamily="18" charset="0"/>
+                <a:ea typeface="Fontin" charset="0"/>
+                <a:cs typeface="Fontin" charset="0"/>
+              </a:rPr>
+              <a:t>Merck</a:t>
+            </a:r>
+            <a:r>
+              <a:rPr lang="fr-CH" sz="7400" dirty="0">
+                <a:solidFill>
+                  <a:srgbClr val="C50A0B"/>
+                </a:solidFill>
+                <a:latin typeface="Cambria" panose="02040503050406030204" pitchFamily="18" charset="0"/>
+                <a:ea typeface="Fontin" charset="0"/>
+                <a:cs typeface="Fontin" charset="0"/>
+              </a:rPr>
+              <a:t>)</a:t>
+            </a:r>
           </a:p>
         </p:txBody>
       </p:sp>
@@ -6136,8 +6161,8 @@
         </p:blipFill>
         <p:spPr>
           <a:xfrm>
-            <a:off x="16949982" y="20507985"/>
-            <a:ext cx="10460182" cy="6430818"/>
+            <a:off x="18684189" y="20700411"/>
+            <a:ext cx="10460182" cy="5912276"/>
           </a:xfrm>
           <a:prstGeom prst="rect">
             <a:avLst/>
@@ -6172,8 +6197,8 @@
         </p:blipFill>
         <p:spPr>
           <a:xfrm>
-            <a:off x="1640396" y="22214156"/>
-            <a:ext cx="11648186" cy="3857117"/>
+            <a:off x="9571609" y="23927088"/>
+            <a:ext cx="10589260" cy="2836845"/>
           </a:xfrm>
           <a:prstGeom prst="rect">
             <a:avLst/>
@@ -6208,8 +6233,8 @@
         </p:blipFill>
         <p:spPr>
           <a:xfrm>
-            <a:off x="1508901" y="29274873"/>
-            <a:ext cx="11268745" cy="12795417"/>
+            <a:off x="2103027" y="30415283"/>
+            <a:ext cx="10244314" cy="11632197"/>
           </a:xfrm>
           <a:prstGeom prst="rect">
             <a:avLst/>
@@ -6244,8 +6269,8 @@
         </p:blipFill>
         <p:spPr>
           <a:xfrm>
-            <a:off x="16517076" y="29274873"/>
-            <a:ext cx="11325995" cy="12795417"/>
+            <a:off x="17113805" y="30415283"/>
+            <a:ext cx="10296359" cy="11632197"/>
           </a:xfrm>
           <a:prstGeom prst="rect">
             <a:avLst/>
@@ -6624,7 +6649,7 @@
                 <a:ea typeface="Fontin" charset="0"/>
                 <a:cs typeface="Fontin" charset="0"/>
               </a:rPr>
-              <a:t>Unified index</a:t>
+              <a:t>Unified index across all datasets</a:t>
             </a:r>
           </a:p>
           <a:p>
@@ -6859,6 +6884,206 @@
           <a:p>
             <a:pPr algn="ctr"/>
             <a:endParaRPr lang="en-US"/>
+          </a:p>
+        </p:txBody>
+      </p:sp>
+      <p:sp>
+        <p:nvSpPr>
+          <p:cNvPr id="30" name="Rectangle 29">
+            <a:extLst>
+              <a:ext uri="{FF2B5EF4-FFF2-40B4-BE49-F238E27FC236}">
+                <a16:creationId xmlns:a16="http://schemas.microsoft.com/office/drawing/2014/main" id="{604D2D8F-273D-F34D-9D40-0B2F304C9F84}"/>
+              </a:ext>
+            </a:extLst>
+          </p:cNvPr>
+          <p:cNvSpPr/>
+          <p:nvPr/>
+        </p:nvSpPr>
+        <p:spPr>
+          <a:xfrm>
+            <a:off x="860128" y="29251439"/>
+            <a:ext cx="13302342" cy="798222"/>
+          </a:xfrm>
+          <a:prstGeom prst="rect">
+            <a:avLst/>
+          </a:prstGeom>
+        </p:spPr>
+        <p:txBody>
+          <a:bodyPr wrap="square">
+            <a:spAutoFit/>
+          </a:bodyPr>
+          <a:lstStyle/>
+          <a:p>
+            <a:pPr algn="ctr"/>
+            <a:r>
+              <a:rPr lang="en-US" sz="4400" b="1" dirty="0" err="1"/>
+              <a:t>Aminoacid</a:t>
+            </a:r>
+            <a:r>
+              <a:rPr lang="en-US" sz="4400" b="1" dirty="0"/>
+              <a:t> Derivatives as </a:t>
+            </a:r>
+            <a:r>
+              <a:rPr lang="en-US" sz="4400" b="1" dirty="0" err="1"/>
+              <a:t>Antihypertensives</a:t>
+            </a:r>
+            <a:r>
+              <a:rPr lang="en-US" sz="4400" b="1" dirty="0"/>
+              <a:t> (1983)</a:t>
+            </a:r>
+          </a:p>
+        </p:txBody>
+      </p:sp>
+      <p:sp>
+        <p:nvSpPr>
+          <p:cNvPr id="32" name="Rectangle 31">
+            <a:extLst>
+              <a:ext uri="{FF2B5EF4-FFF2-40B4-BE49-F238E27FC236}">
+                <a16:creationId xmlns:a16="http://schemas.microsoft.com/office/drawing/2014/main" id="{6358FD90-9347-834B-9F0A-325A566D462A}"/>
+              </a:ext>
+            </a:extLst>
+          </p:cNvPr>
+          <p:cNvSpPr/>
+          <p:nvPr/>
+        </p:nvSpPr>
+        <p:spPr>
+          <a:xfrm>
+            <a:off x="15189199" y="29251439"/>
+            <a:ext cx="14412089" cy="798222"/>
+          </a:xfrm>
+          <a:prstGeom prst="rect">
+            <a:avLst/>
+          </a:prstGeom>
+        </p:spPr>
+        <p:txBody>
+          <a:bodyPr wrap="square">
+            <a:spAutoFit/>
+          </a:bodyPr>
+          <a:lstStyle/>
+          <a:p>
+            <a:pPr algn="ctr"/>
+            <a:r>
+              <a:rPr lang="en-US" sz="4400" b="1" dirty="0"/>
+              <a:t>Antibiotic </a:t>
+            </a:r>
+            <a:r>
+              <a:rPr lang="en-US" sz="4400" b="1" dirty="0" err="1"/>
+              <a:t>Thienamycin</a:t>
+            </a:r>
+            <a:r>
+              <a:rPr lang="en-US" sz="4400" b="1" dirty="0"/>
+              <a:t> (1976)</a:t>
+            </a:r>
+          </a:p>
+        </p:txBody>
+      </p:sp>
+      <p:sp>
+        <p:nvSpPr>
+          <p:cNvPr id="33" name="Rectangle 32">
+            <a:extLst>
+              <a:ext uri="{FF2B5EF4-FFF2-40B4-BE49-F238E27FC236}">
+                <a16:creationId xmlns:a16="http://schemas.microsoft.com/office/drawing/2014/main" id="{97ACF86D-3FCE-E341-8E77-5E08512D96F0}"/>
+              </a:ext>
+            </a:extLst>
+          </p:cNvPr>
+          <p:cNvSpPr/>
+          <p:nvPr/>
+        </p:nvSpPr>
+        <p:spPr>
+          <a:xfrm>
+            <a:off x="860128" y="21506586"/>
+            <a:ext cx="12067596" cy="4832092"/>
+          </a:xfrm>
+          <a:prstGeom prst="rect">
+            <a:avLst/>
+          </a:prstGeom>
+        </p:spPr>
+        <p:txBody>
+          <a:bodyPr wrap="square">
+            <a:spAutoFit/>
+          </a:bodyPr>
+          <a:lstStyle/>
+          <a:p>
+            <a:pPr algn="just"/>
+            <a:r>
+              <a:rPr lang="en-US" sz="4400" dirty="0">
+                <a:latin typeface="Cambria" panose="02040503050406030204" pitchFamily="18" charset="0"/>
+              </a:rPr>
+              <a:t>Key insights:</a:t>
+            </a:r>
+          </a:p>
+          <a:p>
+            <a:pPr marL="571500" indent="-571500" algn="just">
+              <a:buFont typeface="Arial" panose="020B0604020202020204" pitchFamily="34" charset="0"/>
+              <a:buChar char="•"/>
+            </a:pPr>
+            <a:r>
+              <a:rPr lang="en-US" sz="4400" dirty="0">
+                <a:latin typeface="Cambria" panose="02040503050406030204" pitchFamily="18" charset="0"/>
+              </a:rPr>
+              <a:t>¾ of top 100 companies in the S&amp;P 500 are also in the top 100 of patent holders</a:t>
+            </a:r>
+          </a:p>
+          <a:p>
+            <a:pPr marL="571500" indent="-571500" algn="just">
+              <a:buFont typeface="Arial" panose="020B0604020202020204" pitchFamily="34" charset="0"/>
+              <a:buChar char="•"/>
+            </a:pPr>
+            <a:r>
+              <a:rPr lang="en-US" sz="4400" dirty="0">
+                <a:latin typeface="Cambria" panose="02040503050406030204" pitchFamily="18" charset="0"/>
+              </a:rPr>
+              <a:t>Most companies’ valuation is highly correlated with the number of patents they have</a:t>
+            </a:r>
+          </a:p>
+          <a:p>
+            <a:pPr marL="571500" indent="-571500" algn="just">
+              <a:buFont typeface="Arial" panose="020B0604020202020204" pitchFamily="34" charset="0"/>
+              <a:buChar char="•"/>
+            </a:pPr>
+            <a:r>
+              <a:rPr lang="en-US" sz="4400" dirty="0">
+                <a:latin typeface="Cambria" panose="02040503050406030204" pitchFamily="18" charset="0"/>
+              </a:rPr>
+              <a:t>A few notable exceptions (oil companies, Eastman Kodak)</a:t>
+            </a:r>
+          </a:p>
+        </p:txBody>
+      </p:sp>
+      <p:sp>
+        <p:nvSpPr>
+          <p:cNvPr id="34" name="Rectangle 33">
+            <a:extLst>
+              <a:ext uri="{FF2B5EF4-FFF2-40B4-BE49-F238E27FC236}">
+                <a16:creationId xmlns:a16="http://schemas.microsoft.com/office/drawing/2014/main" id="{62C52D09-D903-8745-B31A-731A629F3A37}"/>
+              </a:ext>
+            </a:extLst>
+          </p:cNvPr>
+          <p:cNvSpPr/>
+          <p:nvPr/>
+        </p:nvSpPr>
+        <p:spPr>
+          <a:xfrm>
+            <a:off x="766508" y="14318396"/>
+            <a:ext cx="12067596" cy="1446550"/>
+          </a:xfrm>
+          <a:prstGeom prst="rect">
+            <a:avLst/>
+          </a:prstGeom>
+        </p:spPr>
+        <p:txBody>
+          <a:bodyPr wrap="square">
+            <a:spAutoFit/>
+          </a:bodyPr>
+          <a:lstStyle/>
+          <a:p>
+            <a:pPr algn="just"/>
+            <a:r>
+              <a:rPr lang="en-US" sz="4400" dirty="0">
+                <a:latin typeface="Cambria" panose="02040503050406030204" pitchFamily="18" charset="0"/>
+              </a:rPr>
+              <a:t>There is a correlation between the total number of patent applications and the S&amp;P 500</a:t>
+            </a:r>
           </a:p>
         </p:txBody>
       </p:sp>

--- a/Project/poster.pptx
+++ b/Project/poster.pptx
@@ -5371,7 +5371,7 @@
         </p:nvSpPr>
         <p:spPr>
           <a:xfrm>
-            <a:off x="766509" y="20711404"/>
+            <a:off x="679721" y="20431041"/>
             <a:ext cx="13395960" cy="946309"/>
           </a:xfrm>
           <a:prstGeom prst="rect">
@@ -5800,7 +5800,7 @@
                 <a:ea typeface="Fontin" charset="0"/>
                 <a:cs typeface="Fontin" charset="0"/>
               </a:rPr>
-              <a:t>Market</a:t>
+              <a:t>Economic</a:t>
             </a:r>
             <a:r>
               <a:rPr lang="fr-CH" sz="8000" dirty="0">
@@ -5811,8 +5811,27 @@
                 <a:ea typeface="Fontin" charset="0"/>
                 <a:cs typeface="Fontin" charset="0"/>
               </a:rPr>
-              <a:t> Cap</a:t>
-            </a:r>
+              <a:t> </a:t>
+            </a:r>
+            <a:r>
+              <a:rPr lang="fr-CH" sz="8000" dirty="0" err="1">
+                <a:solidFill>
+                  <a:srgbClr val="C50A0B"/>
+                </a:solidFill>
+                <a:latin typeface="Cambria" panose="02040503050406030204" pitchFamily="18" charset="0"/>
+                <a:ea typeface="Fontin" charset="0"/>
+                <a:cs typeface="Fontin" charset="0"/>
+              </a:rPr>
+              <a:t>Growth</a:t>
+            </a:r>
+            <a:endParaRPr lang="fr-CH" sz="8000" dirty="0">
+              <a:solidFill>
+                <a:srgbClr val="C50A0B"/>
+              </a:solidFill>
+              <a:latin typeface="Cambria" panose="02040503050406030204" pitchFamily="18" charset="0"/>
+              <a:ea typeface="Fontin" charset="0"/>
+              <a:cs typeface="Fontin" charset="0"/>
+            </a:endParaRPr>
           </a:p>
         </p:txBody>
       </p:sp>
@@ -5832,7 +5851,7 @@
         </p:nvSpPr>
         <p:spPr>
           <a:xfrm>
-            <a:off x="766508" y="27804348"/>
+            <a:off x="600091" y="27933465"/>
             <a:ext cx="25527410" cy="1052688"/>
           </a:xfrm>
           <a:prstGeom prst="rect">
@@ -6161,7 +6180,7 @@
         </p:blipFill>
         <p:spPr>
           <a:xfrm>
-            <a:off x="18684189" y="20700411"/>
+            <a:off x="19059334" y="20642375"/>
             <a:ext cx="10460182" cy="5912276"/>
           </a:xfrm>
           <a:prstGeom prst="rect">
@@ -6197,8 +6216,8 @@
         </p:blipFill>
         <p:spPr>
           <a:xfrm>
-            <a:off x="9571609" y="23927088"/>
-            <a:ext cx="10589260" cy="2836845"/>
+            <a:off x="11487102" y="22135644"/>
+            <a:ext cx="8616963" cy="3506470"/>
           </a:xfrm>
           <a:prstGeom prst="rect">
             <a:avLst/>
@@ -6233,8 +6252,8 @@
         </p:blipFill>
         <p:spPr>
           <a:xfrm>
-            <a:off x="2103027" y="30415283"/>
-            <a:ext cx="10244314" cy="11632197"/>
+            <a:off x="860128" y="30463610"/>
+            <a:ext cx="10244314" cy="11535542"/>
           </a:xfrm>
           <a:prstGeom prst="rect">
             <a:avLst/>
@@ -6269,8 +6288,8 @@
         </p:blipFill>
         <p:spPr>
           <a:xfrm>
-            <a:off x="17113805" y="30415283"/>
-            <a:ext cx="10296359" cy="11632197"/>
+            <a:off x="15997559" y="30491800"/>
+            <a:ext cx="10296359" cy="11479163"/>
           </a:xfrm>
           <a:prstGeom prst="rect">
             <a:avLst/>
@@ -6746,7 +6765,7 @@
         <p:spPr>
           <a:xfrm>
             <a:off x="366696" y="12980705"/>
-            <a:ext cx="29520000" cy="6718473"/>
+            <a:ext cx="29520000" cy="6479713"/>
           </a:xfrm>
           <a:prstGeom prst="rect">
             <a:avLst/>
@@ -6797,8 +6816,8 @@
         </p:nvSpPr>
         <p:spPr>
           <a:xfrm>
-            <a:off x="366694" y="20297313"/>
-            <a:ext cx="29520000" cy="6718473"/>
+            <a:off x="366694" y="20030305"/>
+            <a:ext cx="29520000" cy="6985481"/>
           </a:xfrm>
           <a:prstGeom prst="rect">
             <a:avLst/>
@@ -6901,8 +6920,8 @@
         </p:nvSpPr>
         <p:spPr>
           <a:xfrm>
-            <a:off x="860128" y="29251439"/>
-            <a:ext cx="13302342" cy="798222"/>
+            <a:off x="860128" y="29033097"/>
+            <a:ext cx="13302342" cy="1323439"/>
           </a:xfrm>
           <a:prstGeom prst="rect">
             <a:avLst/>
@@ -6931,6 +6950,14 @@
               <a:rPr lang="en-US" sz="4400" b="1" dirty="0"/>
               <a:t> (1983)</a:t>
             </a:r>
+          </a:p>
+          <a:p>
+            <a:pPr algn="ctr"/>
+            <a:r>
+              <a:rPr lang="en-US" sz="3600" dirty="0"/>
+              <a:t>Patent covers a key sector for Merck</a:t>
+            </a:r>
+            <a:endParaRPr lang="en-US" sz="4000" dirty="0"/>
           </a:p>
         </p:txBody>
       </p:sp>
@@ -6948,8 +6975,8 @@
         </p:nvSpPr>
         <p:spPr>
           <a:xfrm>
-            <a:off x="15189199" y="29251439"/>
-            <a:ext cx="14412089" cy="798222"/>
+            <a:off x="15189199" y="29033097"/>
+            <a:ext cx="14412089" cy="1323439"/>
           </a:xfrm>
           <a:prstGeom prst="rect">
             <a:avLst/>
@@ -6974,6 +7001,14 @@
               <a:rPr lang="en-US" sz="4400" b="1" dirty="0"/>
               <a:t> (1976)</a:t>
             </a:r>
+          </a:p>
+          <a:p>
+            <a:pPr algn="ctr"/>
+            <a:r>
+              <a:rPr lang="en-US" sz="3600" dirty="0"/>
+              <a:t>Patent had no immediate market applications</a:t>
+            </a:r>
+            <a:endParaRPr lang="en-US" sz="4400" dirty="0"/>
           </a:p>
         </p:txBody>
       </p:sp>
@@ -6992,7 +7027,7 @@
         <p:spPr>
           <a:xfrm>
             <a:off x="860128" y="21506586"/>
-            <a:ext cx="12067596" cy="4832092"/>
+            <a:ext cx="11018654" cy="4832092"/>
           </a:xfrm>
           <a:prstGeom prst="rect">
             <a:avLst/>
@@ -7004,7 +7039,6 @@
           </a:bodyPr>
           <a:lstStyle/>
           <a:p>
-            <a:pPr algn="just"/>
             <a:r>
               <a:rPr lang="en-US" sz="4400" dirty="0">
                 <a:latin typeface="Cambria" panose="02040503050406030204" pitchFamily="18" charset="0"/>
@@ -7013,7 +7047,7 @@
             </a:r>
           </a:p>
           <a:p>
-            <a:pPr marL="571500" indent="-571500" algn="just">
+            <a:pPr marL="571500" indent="-571500">
               <a:buFont typeface="Arial" panose="020B0604020202020204" pitchFamily="34" charset="0"/>
               <a:buChar char="•"/>
             </a:pPr>
@@ -7025,7 +7059,7 @@
             </a:r>
           </a:p>
           <a:p>
-            <a:pPr marL="571500" indent="-571500" algn="just">
+            <a:pPr marL="571500" indent="-571500">
               <a:buFont typeface="Arial" panose="020B0604020202020204" pitchFamily="34" charset="0"/>
               <a:buChar char="•"/>
             </a:pPr>
@@ -7033,11 +7067,11 @@
               <a:rPr lang="en-US" sz="4400" dirty="0">
                 <a:latin typeface="Cambria" panose="02040503050406030204" pitchFamily="18" charset="0"/>
               </a:rPr>
-              <a:t>Most companies’ valuation is highly correlated with the number of patents they have</a:t>
-            </a:r>
-          </a:p>
-          <a:p>
-            <a:pPr marL="571500" indent="-571500" algn="just">
+              <a:t>Most companies’ valuation is correlated with the number of patents they have</a:t>
+            </a:r>
+          </a:p>
+          <a:p>
+            <a:pPr marL="571500" indent="-571500">
               <a:buFont typeface="Arial" panose="020B0604020202020204" pitchFamily="34" charset="0"/>
               <a:buChar char="•"/>
             </a:pPr>
@@ -7045,7 +7079,18 @@
               <a:rPr lang="en-US" sz="4400" dirty="0">
                 <a:latin typeface="Cambria" panose="02040503050406030204" pitchFamily="18" charset="0"/>
               </a:rPr>
-              <a:t>A few notable exceptions (oil companies, Eastman Kodak)</a:t>
+              <a:t>With a few notable exceptions </a:t>
+            </a:r>
+            <a:br>
+              <a:rPr lang="en-US" sz="4400" dirty="0">
+                <a:latin typeface="Cambria" panose="02040503050406030204" pitchFamily="18" charset="0"/>
+              </a:rPr>
+            </a:br>
+            <a:r>
+              <a:rPr lang="en-US" sz="4400" dirty="0">
+                <a:latin typeface="Cambria" panose="02040503050406030204" pitchFamily="18" charset="0"/>
+              </a:rPr>
+              <a:t>(oil companies, Eastman Kodak)</a:t>
             </a:r>
           </a:p>
         </p:txBody>
@@ -7064,8 +7109,8 @@
         </p:nvSpPr>
         <p:spPr>
           <a:xfrm>
-            <a:off x="766508" y="14318396"/>
-            <a:ext cx="12067596" cy="1446550"/>
+            <a:off x="766508" y="14133398"/>
+            <a:ext cx="12067596" cy="5509200"/>
           </a:xfrm>
           <a:prstGeom prst="rect">
             <a:avLst/>
@@ -7082,7 +7127,512 @@
               <a:rPr lang="en-US" sz="4400" dirty="0">
                 <a:latin typeface="Cambria" panose="02040503050406030204" pitchFamily="18" charset="0"/>
               </a:rPr>
-              <a:t>There is a correlation between the total number of patent applications and the S&amp;P 500</a:t>
+              <a:t>Observations:</a:t>
+            </a:r>
+          </a:p>
+          <a:p>
+            <a:pPr marL="571500" indent="-571500" algn="just">
+              <a:buFont typeface="Arial" panose="020B0604020202020204" pitchFamily="34" charset="0"/>
+              <a:buChar char="•"/>
+            </a:pPr>
+            <a:r>
+              <a:rPr lang="en-US" sz="4400" dirty="0">
+                <a:latin typeface="Cambria" panose="02040503050406030204" pitchFamily="18" charset="0"/>
+              </a:rPr>
+              <a:t>There is some correlation between number of patents granted and the S&amp;P 500 price</a:t>
+            </a:r>
+          </a:p>
+          <a:p>
+            <a:pPr marL="571500" indent="-571500" algn="just">
+              <a:buFont typeface="Arial" panose="020B0604020202020204" pitchFamily="34" charset="0"/>
+              <a:buChar char="•"/>
+            </a:pPr>
+            <a:r>
+              <a:rPr lang="en-US" sz="4400" dirty="0">
+                <a:latin typeface="Cambria" panose="02040503050406030204" pitchFamily="18" charset="0"/>
+              </a:rPr>
+              <a:t>From 1996, the S&amp;P started to grow a lot faster than patents granted due to</a:t>
+            </a:r>
+          </a:p>
+          <a:p>
+            <a:pPr marL="2324268" lvl="1" indent="-571500" algn="just">
+              <a:buFont typeface="Arial" panose="020B0604020202020204" pitchFamily="34" charset="0"/>
+              <a:buChar char="•"/>
+            </a:pPr>
+            <a:r>
+              <a:rPr lang="en-US" sz="4400" dirty="0">
+                <a:latin typeface="Cambria" panose="02040503050406030204" pitchFamily="18" charset="0"/>
+              </a:rPr>
+              <a:t>Dotcom bubble</a:t>
+            </a:r>
+          </a:p>
+          <a:p>
+            <a:pPr marL="2324268" lvl="1" indent="-571500" algn="just">
+              <a:buFont typeface="Arial" panose="020B0604020202020204" pitchFamily="34" charset="0"/>
+              <a:buChar char="•"/>
+            </a:pPr>
+            <a:r>
+              <a:rPr lang="en-US" sz="4400" dirty="0">
+                <a:latin typeface="Cambria" panose="02040503050406030204" pitchFamily="18" charset="0"/>
+              </a:rPr>
+              <a:t>Edge effect</a:t>
+            </a:r>
+          </a:p>
+          <a:p>
+            <a:pPr marL="571500" indent="-571500" algn="just">
+              <a:buFont typeface="Arial" panose="020B0604020202020204" pitchFamily="34" charset="0"/>
+              <a:buChar char="•"/>
+            </a:pPr>
+            <a:endParaRPr lang="en-US" sz="4400" dirty="0">
+              <a:latin typeface="Cambria" panose="02040503050406030204" pitchFamily="18" charset="0"/>
+            </a:endParaRPr>
+          </a:p>
+        </p:txBody>
+      </p:sp>
+      <p:pic>
+        <p:nvPicPr>
+          <p:cNvPr id="13" name="Picture 12">
+            <a:extLst>
+              <a:ext uri="{FF2B5EF4-FFF2-40B4-BE49-F238E27FC236}">
+                <a16:creationId xmlns:a16="http://schemas.microsoft.com/office/drawing/2014/main" id="{213BDD40-E224-B848-BD2F-73723A580887}"/>
+              </a:ext>
+            </a:extLst>
+          </p:cNvPr>
+          <p:cNvPicPr>
+            <a:picLocks noChangeAspect="1"/>
+          </p:cNvPicPr>
+          <p:nvPr/>
+        </p:nvPicPr>
+        <p:blipFill>
+          <a:blip r:embed="rId9">
+            <a:extLst>
+              <a:ext uri="{28A0092B-C50C-407E-A947-70E740481C1C}">
+                <a14:useLocalDpi xmlns:a14="http://schemas.microsoft.com/office/drawing/2010/main" val="0"/>
+              </a:ext>
+            </a:extLst>
+          </a:blip>
+          <a:stretch>
+            <a:fillRect/>
+          </a:stretch>
+        </p:blipFill>
+        <p:spPr>
+          <a:xfrm>
+            <a:off x="14075681" y="13618138"/>
+            <a:ext cx="15443835" cy="5578221"/>
+          </a:xfrm>
+          <a:prstGeom prst="rect">
+            <a:avLst/>
+          </a:prstGeom>
+        </p:spPr>
+      </p:pic>
+      <p:cxnSp>
+        <p:nvCxnSpPr>
+          <p:cNvPr id="15" name="Straight Arrow Connector 14">
+            <a:extLst>
+              <a:ext uri="{FF2B5EF4-FFF2-40B4-BE49-F238E27FC236}">
+                <a16:creationId xmlns:a16="http://schemas.microsoft.com/office/drawing/2014/main" id="{BF1C7952-ADEA-E14A-8C86-536B8BC05932}"/>
+              </a:ext>
+            </a:extLst>
+          </p:cNvPr>
+          <p:cNvCxnSpPr/>
+          <p:nvPr/>
+        </p:nvCxnSpPr>
+        <p:spPr>
+          <a:xfrm flipH="1">
+            <a:off x="7144356" y="40895752"/>
+            <a:ext cx="4194601" cy="0"/>
+          </a:xfrm>
+          <a:prstGeom prst="straightConnector1">
+            <a:avLst/>
+          </a:prstGeom>
+          <a:ln w="127000">
+            <a:solidFill>
+              <a:srgbClr val="000000"/>
+            </a:solidFill>
+            <a:tailEnd type="triangle"/>
+          </a:ln>
+        </p:spPr>
+        <p:style>
+          <a:lnRef idx="1">
+            <a:schemeClr val="accent1"/>
+          </a:lnRef>
+          <a:fillRef idx="0">
+            <a:schemeClr val="accent1"/>
+          </a:fillRef>
+          <a:effectRef idx="0">
+            <a:schemeClr val="accent1"/>
+          </a:effectRef>
+          <a:fontRef idx="minor">
+            <a:schemeClr val="tx1"/>
+          </a:fontRef>
+        </p:style>
+      </p:cxnSp>
+      <p:cxnSp>
+        <p:nvCxnSpPr>
+          <p:cNvPr id="38" name="Straight Arrow Connector 37">
+            <a:extLst>
+              <a:ext uri="{FF2B5EF4-FFF2-40B4-BE49-F238E27FC236}">
+                <a16:creationId xmlns:a16="http://schemas.microsoft.com/office/drawing/2014/main" id="{E4B70257-7032-E943-9D79-4008C0384118}"/>
+              </a:ext>
+            </a:extLst>
+          </p:cNvPr>
+          <p:cNvCxnSpPr>
+            <a:cxnSpLocks/>
+          </p:cNvCxnSpPr>
+          <p:nvPr/>
+        </p:nvCxnSpPr>
+        <p:spPr>
+          <a:xfrm flipH="1">
+            <a:off x="9241657" y="34018799"/>
+            <a:ext cx="2931979" cy="2212583"/>
+          </a:xfrm>
+          <a:prstGeom prst="straightConnector1">
+            <a:avLst/>
+          </a:prstGeom>
+          <a:ln w="127000">
+            <a:solidFill>
+              <a:srgbClr val="000000"/>
+            </a:solidFill>
+            <a:tailEnd type="triangle"/>
+          </a:ln>
+        </p:spPr>
+        <p:style>
+          <a:lnRef idx="1">
+            <a:schemeClr val="accent1"/>
+          </a:lnRef>
+          <a:fillRef idx="0">
+            <a:schemeClr val="accent1"/>
+          </a:fillRef>
+          <a:effectRef idx="0">
+            <a:schemeClr val="accent1"/>
+          </a:effectRef>
+          <a:fontRef idx="minor">
+            <a:schemeClr val="tx1"/>
+          </a:fontRef>
+        </p:style>
+      </p:cxnSp>
+      <p:cxnSp>
+        <p:nvCxnSpPr>
+          <p:cNvPr id="41" name="Straight Arrow Connector 40">
+            <a:extLst>
+              <a:ext uri="{FF2B5EF4-FFF2-40B4-BE49-F238E27FC236}">
+                <a16:creationId xmlns:a16="http://schemas.microsoft.com/office/drawing/2014/main" id="{7AF0F746-9ED1-8642-9BD1-8CAEB665ED0F}"/>
+              </a:ext>
+            </a:extLst>
+          </p:cNvPr>
+          <p:cNvCxnSpPr>
+            <a:cxnSpLocks/>
+          </p:cNvCxnSpPr>
+          <p:nvPr/>
+        </p:nvCxnSpPr>
+        <p:spPr>
+          <a:xfrm flipH="1" flipV="1">
+            <a:off x="8229557" y="32359540"/>
+            <a:ext cx="3944079" cy="527329"/>
+          </a:xfrm>
+          <a:prstGeom prst="straightConnector1">
+            <a:avLst/>
+          </a:prstGeom>
+          <a:ln w="127000">
+            <a:solidFill>
+              <a:srgbClr val="000000"/>
+            </a:solidFill>
+            <a:tailEnd type="triangle"/>
+          </a:ln>
+        </p:spPr>
+        <p:style>
+          <a:lnRef idx="1">
+            <a:schemeClr val="accent1"/>
+          </a:lnRef>
+          <a:fillRef idx="0">
+            <a:schemeClr val="accent1"/>
+          </a:fillRef>
+          <a:effectRef idx="0">
+            <a:schemeClr val="accent1"/>
+          </a:effectRef>
+          <a:fontRef idx="minor">
+            <a:schemeClr val="tx1"/>
+          </a:fontRef>
+        </p:style>
+      </p:cxnSp>
+      <p:sp>
+        <p:nvSpPr>
+          <p:cNvPr id="42" name="Rectangle 41">
+            <a:extLst>
+              <a:ext uri="{FF2B5EF4-FFF2-40B4-BE49-F238E27FC236}">
+                <a16:creationId xmlns:a16="http://schemas.microsoft.com/office/drawing/2014/main" id="{40C1FFC2-F5AC-7944-8EB6-D2591DD378B6}"/>
+              </a:ext>
+            </a:extLst>
+          </p:cNvPr>
+          <p:cNvSpPr/>
+          <p:nvPr/>
+        </p:nvSpPr>
+        <p:spPr>
+          <a:xfrm>
+            <a:off x="11526520" y="40295587"/>
+            <a:ext cx="2357274" cy="1200329"/>
+          </a:xfrm>
+          <a:prstGeom prst="rect">
+            <a:avLst/>
+          </a:prstGeom>
+        </p:spPr>
+        <p:txBody>
+          <a:bodyPr wrap="square">
+            <a:spAutoFit/>
+          </a:bodyPr>
+          <a:lstStyle/>
+          <a:p>
+            <a:r>
+              <a:rPr lang="en-US" sz="3600" dirty="0">
+                <a:latin typeface="Cambria" panose="02040503050406030204" pitchFamily="18" charset="0"/>
+              </a:rPr>
+              <a:t>Boost in </a:t>
+            </a:r>
+          </a:p>
+          <a:p>
+            <a:r>
+              <a:rPr lang="en-US" sz="3600" dirty="0">
+                <a:latin typeface="Cambria" panose="02040503050406030204" pitchFamily="18" charset="0"/>
+              </a:rPr>
+              <a:t>stock price</a:t>
+            </a:r>
+          </a:p>
+        </p:txBody>
+      </p:sp>
+      <p:sp>
+        <p:nvSpPr>
+          <p:cNvPr id="45" name="Rectangle 44">
+            <a:extLst>
+              <a:ext uri="{FF2B5EF4-FFF2-40B4-BE49-F238E27FC236}">
+                <a16:creationId xmlns:a16="http://schemas.microsoft.com/office/drawing/2014/main" id="{672A3359-AB32-7C41-A912-84C26F0A84F1}"/>
+              </a:ext>
+            </a:extLst>
+          </p:cNvPr>
+          <p:cNvSpPr/>
+          <p:nvPr/>
+        </p:nvSpPr>
+        <p:spPr>
+          <a:xfrm>
+            <a:off x="12238818" y="32359540"/>
+            <a:ext cx="3060778" cy="1754326"/>
+          </a:xfrm>
+          <a:prstGeom prst="rect">
+            <a:avLst/>
+          </a:prstGeom>
+        </p:spPr>
+        <p:txBody>
+          <a:bodyPr wrap="square">
+            <a:spAutoFit/>
+          </a:bodyPr>
+          <a:lstStyle/>
+          <a:p>
+            <a:r>
+              <a:rPr lang="en-US" sz="3600" dirty="0">
+                <a:latin typeface="Cambria" panose="02040503050406030204" pitchFamily="18" charset="0"/>
+              </a:rPr>
+              <a:t>Patent is part of a larger growth trend</a:t>
+            </a:r>
+          </a:p>
+        </p:txBody>
+      </p:sp>
+      <p:cxnSp>
+        <p:nvCxnSpPr>
+          <p:cNvPr id="46" name="Straight Arrow Connector 45">
+            <a:extLst>
+              <a:ext uri="{FF2B5EF4-FFF2-40B4-BE49-F238E27FC236}">
+                <a16:creationId xmlns:a16="http://schemas.microsoft.com/office/drawing/2014/main" id="{AEB2A727-AEF4-CC48-BC07-4D69D9A0B2CF}"/>
+              </a:ext>
+            </a:extLst>
+          </p:cNvPr>
+          <p:cNvCxnSpPr/>
+          <p:nvPr/>
+        </p:nvCxnSpPr>
+        <p:spPr>
+          <a:xfrm flipH="1">
+            <a:off x="22203287" y="40895752"/>
+            <a:ext cx="4194601" cy="0"/>
+          </a:xfrm>
+          <a:prstGeom prst="straightConnector1">
+            <a:avLst/>
+          </a:prstGeom>
+          <a:ln w="127000">
+            <a:solidFill>
+              <a:srgbClr val="000000"/>
+            </a:solidFill>
+            <a:tailEnd type="triangle"/>
+          </a:ln>
+        </p:spPr>
+        <p:style>
+          <a:lnRef idx="1">
+            <a:schemeClr val="accent1"/>
+          </a:lnRef>
+          <a:fillRef idx="0">
+            <a:schemeClr val="accent1"/>
+          </a:fillRef>
+          <a:effectRef idx="0">
+            <a:schemeClr val="accent1"/>
+          </a:effectRef>
+          <a:fontRef idx="minor">
+            <a:schemeClr val="tx1"/>
+          </a:fontRef>
+        </p:style>
+      </p:cxnSp>
+      <p:sp>
+        <p:nvSpPr>
+          <p:cNvPr id="47" name="Rectangle 46">
+            <a:extLst>
+              <a:ext uri="{FF2B5EF4-FFF2-40B4-BE49-F238E27FC236}">
+                <a16:creationId xmlns:a16="http://schemas.microsoft.com/office/drawing/2014/main" id="{C389F228-4682-5041-926E-6F9170B487CB}"/>
+              </a:ext>
+            </a:extLst>
+          </p:cNvPr>
+          <p:cNvSpPr/>
+          <p:nvPr/>
+        </p:nvSpPr>
+        <p:spPr>
+          <a:xfrm>
+            <a:off x="26585451" y="40295587"/>
+            <a:ext cx="3015836" cy="1200329"/>
+          </a:xfrm>
+          <a:prstGeom prst="rect">
+            <a:avLst/>
+          </a:prstGeom>
+        </p:spPr>
+        <p:txBody>
+          <a:bodyPr wrap="square">
+            <a:spAutoFit/>
+          </a:bodyPr>
+          <a:lstStyle/>
+          <a:p>
+            <a:r>
+              <a:rPr lang="en-US" sz="3600" dirty="0">
+                <a:latin typeface="Cambria" panose="02040503050406030204" pitchFamily="18" charset="0"/>
+              </a:rPr>
+              <a:t>No/negative effect on price</a:t>
+            </a:r>
+          </a:p>
+        </p:txBody>
+      </p:sp>
+      <p:cxnSp>
+        <p:nvCxnSpPr>
+          <p:cNvPr id="50" name="Straight Arrow Connector 49">
+            <a:extLst>
+              <a:ext uri="{FF2B5EF4-FFF2-40B4-BE49-F238E27FC236}">
+                <a16:creationId xmlns:a16="http://schemas.microsoft.com/office/drawing/2014/main" id="{9F253959-3AC2-7343-B091-F9B89F2D42EF}"/>
+              </a:ext>
+            </a:extLst>
+          </p:cNvPr>
+          <p:cNvCxnSpPr>
+            <a:cxnSpLocks/>
+          </p:cNvCxnSpPr>
+          <p:nvPr/>
+        </p:nvCxnSpPr>
+        <p:spPr>
+          <a:xfrm flipH="1">
+            <a:off x="25256359" y="35208470"/>
+            <a:ext cx="1141529" cy="1104651"/>
+          </a:xfrm>
+          <a:prstGeom prst="straightConnector1">
+            <a:avLst/>
+          </a:prstGeom>
+          <a:ln w="127000">
+            <a:solidFill>
+              <a:srgbClr val="000000"/>
+            </a:solidFill>
+            <a:tailEnd type="triangle"/>
+          </a:ln>
+        </p:spPr>
+        <p:style>
+          <a:lnRef idx="1">
+            <a:schemeClr val="accent1"/>
+          </a:lnRef>
+          <a:fillRef idx="0">
+            <a:schemeClr val="accent1"/>
+          </a:fillRef>
+          <a:effectRef idx="0">
+            <a:schemeClr val="accent1"/>
+          </a:effectRef>
+          <a:fontRef idx="minor">
+            <a:schemeClr val="tx1"/>
+          </a:fontRef>
+        </p:style>
+      </p:cxnSp>
+      <p:cxnSp>
+        <p:nvCxnSpPr>
+          <p:cNvPr id="51" name="Straight Arrow Connector 50">
+            <a:extLst>
+              <a:ext uri="{FF2B5EF4-FFF2-40B4-BE49-F238E27FC236}">
+                <a16:creationId xmlns:a16="http://schemas.microsoft.com/office/drawing/2014/main" id="{31F057D7-B2FB-804F-8FC9-7D78F61B3ABE}"/>
+              </a:ext>
+            </a:extLst>
+          </p:cNvPr>
+          <p:cNvCxnSpPr>
+            <a:cxnSpLocks/>
+          </p:cNvCxnSpPr>
+          <p:nvPr/>
+        </p:nvCxnSpPr>
+        <p:spPr>
+          <a:xfrm flipH="1" flipV="1">
+            <a:off x="24436553" y="33379931"/>
+            <a:ext cx="1961335" cy="638868"/>
+          </a:xfrm>
+          <a:prstGeom prst="straightConnector1">
+            <a:avLst/>
+          </a:prstGeom>
+          <a:ln w="127000">
+            <a:solidFill>
+              <a:srgbClr val="000000"/>
+            </a:solidFill>
+            <a:tailEnd type="triangle"/>
+          </a:ln>
+        </p:spPr>
+        <p:style>
+          <a:lnRef idx="1">
+            <a:schemeClr val="accent1"/>
+          </a:lnRef>
+          <a:fillRef idx="0">
+            <a:schemeClr val="accent1"/>
+          </a:fillRef>
+          <a:effectRef idx="0">
+            <a:schemeClr val="accent1"/>
+          </a:effectRef>
+          <a:fontRef idx="minor">
+            <a:schemeClr val="tx1"/>
+          </a:fontRef>
+        </p:style>
+      </p:cxnSp>
+      <p:sp>
+        <p:nvSpPr>
+          <p:cNvPr id="52" name="Rectangle 51">
+            <a:extLst>
+              <a:ext uri="{FF2B5EF4-FFF2-40B4-BE49-F238E27FC236}">
+                <a16:creationId xmlns:a16="http://schemas.microsoft.com/office/drawing/2014/main" id="{2A291FEB-C283-B046-A341-CC84E970F74C}"/>
+              </a:ext>
+            </a:extLst>
+          </p:cNvPr>
+          <p:cNvSpPr/>
+          <p:nvPr/>
+        </p:nvSpPr>
+        <p:spPr>
+          <a:xfrm>
+            <a:off x="26585451" y="33921966"/>
+            <a:ext cx="3060778" cy="1200329"/>
+          </a:xfrm>
+          <a:prstGeom prst="rect">
+            <a:avLst/>
+          </a:prstGeom>
+        </p:spPr>
+        <p:txBody>
+          <a:bodyPr wrap="square">
+            <a:spAutoFit/>
+          </a:bodyPr>
+          <a:lstStyle/>
+          <a:p>
+            <a:r>
+              <a:rPr lang="en-US" sz="3600" dirty="0">
+                <a:latin typeface="Cambria" panose="02040503050406030204" pitchFamily="18" charset="0"/>
+              </a:rPr>
+              <a:t>No long-term effect on price</a:t>
             </a:r>
           </a:p>
         </p:txBody>

--- a/Project/poster.pptx
+++ b/Project/poster.pptx
@@ -112,7 +112,7 @@
   </p:defaultTextStyle>
   <p:extLst>
     <p:ext uri="{EFAFB233-063F-42B5-8137-9DF3F51BA10A}">
-      <p15:sldGuideLst xmlns:p15="http://schemas.microsoft.com/office/powerpoint/2012/main">
+      <p15:sldGuideLst xmlns:p15="http://schemas.microsoft.com/office/powerpoint/2012/main" xmlns="">
         <p15:guide id="1" orient="horz" pos="13481">
           <p15:clr>
             <a:srgbClr val="A4A3A4"/>
@@ -126,7 +126,7 @@
       </p15:sldGuideLst>
     </p:ext>
     <p:ext uri="{2D200454-40CA-4A62-9FC3-DE9A4176ACB9}">
-      <p15:notesGuideLst xmlns:p15="http://schemas.microsoft.com/office/powerpoint/2012/main"/>
+      <p15:notesGuideLst xmlns:p15="http://schemas.microsoft.com/office/powerpoint/2012/main" xmlns=""/>
     </p:ext>
   </p:extLst>
 </p:presentation>
@@ -217,7 +217,7 @@
           <a:p>
             <a:fld id="{2D2AA775-F063-49C6-809F-4687578B503B}" type="datetimeFigureOut">
               <a:rPr lang="en-US" smtClean="0"/>
-              <a:t>1/24/18</a:t>
+              <a:t>1/25/2018</a:t>
             </a:fld>
             <a:endParaRPr lang="en-US"/>
           </a:p>
@@ -283,7 +283,7 @@
           <a:p>
             <a:fld id="{40E8611A-AA39-45D4-81D8-161D26045784}" type="slidenum">
               <a:rPr lang="en-US" smtClean="0"/>
-              <a:t>‹#›</a:t>
+              <a:t>‹N°›</a:t>
             </a:fld>
             <a:endParaRPr lang="en-US"/>
           </a:p>
@@ -386,7 +386,7 @@
           <a:p>
             <a:fld id="{17713C13-BC7F-4363-AB3A-2F6D79BFFDA8}" type="datetimeFigureOut">
               <a:rPr lang="en-US" smtClean="0"/>
-              <a:t>1/24/18</a:t>
+              <a:t>1/25/2018</a:t>
             </a:fld>
             <a:endParaRPr lang="en-US"/>
           </a:p>
@@ -545,7 +545,7 @@
           <a:p>
             <a:fld id="{FF4B4464-09A1-40D9-B677-0088438F880A}" type="slidenum">
               <a:rPr lang="en-US" smtClean="0"/>
-              <a:t>‹#›</a:t>
+              <a:t>‹N°›</a:t>
             </a:fld>
             <a:endParaRPr lang="en-US"/>
           </a:p>
@@ -4549,7 +4549,7 @@
   </p:txStyles>
   <p:extLst mod="1">
     <p:ext uri="{27BBF7A9-308A-43DC-89C8-2F10F3537804}">
-      <p15:sldGuideLst xmlns:p15="http://schemas.microsoft.com/office/powerpoint/2012/main">
+      <p15:sldGuideLst xmlns:p15="http://schemas.microsoft.com/office/powerpoint/2012/main" xmlns="">
         <p15:guide id="1" orient="horz" pos="13482" userDrawn="1">
           <p15:clr>
             <a:srgbClr val="F26B43"/>
@@ -5034,7 +5034,7 @@
           <p:cNvPr id="17" name="Picture 16">
             <a:extLst>
               <a:ext uri="{FF2B5EF4-FFF2-40B4-BE49-F238E27FC236}">
-                <a16:creationId xmlns:a16="http://schemas.microsoft.com/office/drawing/2014/main" id="{5AB426DF-34F6-5E46-A91F-B7A2182590C9}"/>
+                <a16:creationId xmlns:a16="http://schemas.microsoft.com/office/drawing/2014/main" xmlns="" id="{5AB426DF-34F6-5E46-A91F-B7A2182590C9}"/>
               </a:ext>
             </a:extLst>
           </p:cNvPr>
@@ -5044,7 +5044,7 @@
           <p:nvPr/>
         </p:nvPicPr>
         <p:blipFill>
-          <a:blip r:embed="rId2">
+          <a:blip r:embed="rId2" cstate="print">
             <a:extLst>
               <a:ext uri="{28A0092B-C50C-407E-A947-70E740481C1C}">
                 <a14:useLocalDpi xmlns:a14="http://schemas.microsoft.com/office/drawing/2010/main" val="0"/>
@@ -5057,8 +5057,8 @@
         </p:blipFill>
         <p:spPr>
           <a:xfrm>
-            <a:off x="33951292" y="3711584"/>
-            <a:ext cx="4255672" cy="4177466"/>
+            <a:off x="25078452" y="433776"/>
+            <a:ext cx="2148898" cy="2109408"/>
           </a:xfrm>
           <a:prstGeom prst="rect">
             <a:avLst/>
@@ -5070,7 +5070,7 @@
           <p:cNvPr id="31" name="Picture 30">
             <a:extLst>
               <a:ext uri="{FF2B5EF4-FFF2-40B4-BE49-F238E27FC236}">
-                <a16:creationId xmlns:a16="http://schemas.microsoft.com/office/drawing/2014/main" id="{36066093-D77F-5443-A28A-BB2253DBACFB}"/>
+                <a16:creationId xmlns:a16="http://schemas.microsoft.com/office/drawing/2014/main" xmlns="" id="{36066093-D77F-5443-A28A-BB2253DBACFB}"/>
               </a:ext>
             </a:extLst>
           </p:cNvPr>
@@ -5080,7 +5080,7 @@
           <p:nvPr/>
         </p:nvPicPr>
         <p:blipFill>
-          <a:blip r:embed="rId3">
+          <a:blip r:embed="rId3" cstate="print">
             <a:extLst>
               <a:ext uri="{28A0092B-C50C-407E-A947-70E740481C1C}">
                 <a14:useLocalDpi xmlns:a14="http://schemas.microsoft.com/office/drawing/2010/main" val="0"/>
@@ -5106,7 +5106,7 @@
           <p:cNvPr id="128" name="Picture 127" descr="EPFL.png">
             <a:extLst>
               <a:ext uri="{FF2B5EF4-FFF2-40B4-BE49-F238E27FC236}">
-                <a16:creationId xmlns:a16="http://schemas.microsoft.com/office/drawing/2014/main" id="{CB1D4596-63B2-744F-B107-764F1723129E}"/>
+                <a16:creationId xmlns:a16="http://schemas.microsoft.com/office/drawing/2014/main" xmlns="" id="{CB1D4596-63B2-744F-B107-764F1723129E}"/>
               </a:ext>
             </a:extLst>
           </p:cNvPr>
@@ -5142,7 +5142,7 @@
           <p:cNvPr id="131" name="Espace réservé du texte 19">
             <a:extLst>
               <a:ext uri="{FF2B5EF4-FFF2-40B4-BE49-F238E27FC236}">
-                <a16:creationId xmlns:a16="http://schemas.microsoft.com/office/drawing/2014/main" id="{8D6777B1-0619-A741-B072-460871397503}"/>
+                <a16:creationId xmlns:a16="http://schemas.microsoft.com/office/drawing/2014/main" xmlns="" id="{8D6777B1-0619-A741-B072-460871397503}"/>
               </a:ext>
             </a:extLst>
           </p:cNvPr>
@@ -5360,7 +5360,7 @@
           <p:cNvPr id="132" name="Espace réservé du texte 19">
             <a:extLst>
               <a:ext uri="{FF2B5EF4-FFF2-40B4-BE49-F238E27FC236}">
-                <a16:creationId xmlns:a16="http://schemas.microsoft.com/office/drawing/2014/main" id="{E9BC8A1F-8F44-B64B-A157-6C9D772210A7}"/>
+                <a16:creationId xmlns:a16="http://schemas.microsoft.com/office/drawing/2014/main" xmlns="" id="{E9BC8A1F-8F44-B64B-A157-6C9D772210A7}"/>
               </a:ext>
             </a:extLst>
           </p:cNvPr>
@@ -5589,7 +5589,7 @@
           <p:cNvPr id="133" name="Espace réservé du texte 19">
             <a:extLst>
               <a:ext uri="{FF2B5EF4-FFF2-40B4-BE49-F238E27FC236}">
-                <a16:creationId xmlns:a16="http://schemas.microsoft.com/office/drawing/2014/main" id="{7788FB3D-2027-F743-AB87-450E17C72C8B}"/>
+                <a16:creationId xmlns:a16="http://schemas.microsoft.com/office/drawing/2014/main" xmlns="" id="{7788FB3D-2027-F743-AB87-450E17C72C8B}"/>
               </a:ext>
             </a:extLst>
           </p:cNvPr>
@@ -5840,7 +5840,7 @@
           <p:cNvPr id="134" name="Espace réservé du texte 19">
             <a:extLst>
               <a:ext uri="{FF2B5EF4-FFF2-40B4-BE49-F238E27FC236}">
-                <a16:creationId xmlns:a16="http://schemas.microsoft.com/office/drawing/2014/main" id="{C6EFC0A4-8EB1-3D48-86F5-94D31157ECB0}"/>
+                <a16:creationId xmlns:a16="http://schemas.microsoft.com/office/drawing/2014/main" xmlns="" id="{C6EFC0A4-8EB1-3D48-86F5-94D31157ECB0}"/>
               </a:ext>
             </a:extLst>
           </p:cNvPr>
@@ -6105,7 +6105,7 @@
           <p:cNvPr id="3" name="Rectangle 2">
             <a:extLst>
               <a:ext uri="{FF2B5EF4-FFF2-40B4-BE49-F238E27FC236}">
-                <a16:creationId xmlns:a16="http://schemas.microsoft.com/office/drawing/2014/main" id="{F4FDA3F0-8CA4-074B-9AE4-56AF28AF57BE}"/>
+                <a16:creationId xmlns:a16="http://schemas.microsoft.com/office/drawing/2014/main" xmlns="" id="{F4FDA3F0-8CA4-074B-9AE4-56AF28AF57BE}"/>
               </a:ext>
             </a:extLst>
           </p:cNvPr>
@@ -6121,7 +6121,7 @@
             <a:avLst/>
           </a:prstGeom>
           <a:noFill/>
-          <a:ln w="317500">
+          <a:ln w="152400">
             <a:solidFill>
               <a:srgbClr val="C50A0B"/>
             </a:solidFill>
@@ -6157,7 +6157,7 @@
           <p:cNvPr id="5" name="Picture 4">
             <a:extLst>
               <a:ext uri="{FF2B5EF4-FFF2-40B4-BE49-F238E27FC236}">
-                <a16:creationId xmlns:a16="http://schemas.microsoft.com/office/drawing/2014/main" id="{F90E2EC4-4047-224D-AB66-4CF4AAA74849}"/>
+                <a16:creationId xmlns:a16="http://schemas.microsoft.com/office/drawing/2014/main" xmlns="" id="{F90E2EC4-4047-224D-AB66-4CF4AAA74849}"/>
               </a:ext>
             </a:extLst>
           </p:cNvPr>
@@ -6180,8 +6180,8 @@
         </p:blipFill>
         <p:spPr>
           <a:xfrm>
-            <a:off x="19059334" y="20642375"/>
-            <a:ext cx="10460182" cy="5912276"/>
+            <a:off x="18243480" y="20642374"/>
+            <a:ext cx="11276036" cy="6373411"/>
           </a:xfrm>
           <a:prstGeom prst="rect">
             <a:avLst/>
@@ -6193,7 +6193,7 @@
           <p:cNvPr id="7" name="Picture 6">
             <a:extLst>
               <a:ext uri="{FF2B5EF4-FFF2-40B4-BE49-F238E27FC236}">
-                <a16:creationId xmlns:a16="http://schemas.microsoft.com/office/drawing/2014/main" id="{49B50507-BF36-A541-B234-93B440B5E4C0}"/>
+                <a16:creationId xmlns:a16="http://schemas.microsoft.com/office/drawing/2014/main" xmlns="" id="{49B50507-BF36-A541-B234-93B440B5E4C0}"/>
               </a:ext>
             </a:extLst>
           </p:cNvPr>
@@ -6216,8 +6216,8 @@
         </p:blipFill>
         <p:spPr>
           <a:xfrm>
-            <a:off x="11487102" y="22135644"/>
-            <a:ext cx="8616963" cy="3506470"/>
+            <a:off x="11487103" y="22135644"/>
+            <a:ext cx="7572232" cy="3081341"/>
           </a:xfrm>
           <a:prstGeom prst="rect">
             <a:avLst/>
@@ -6229,7 +6229,7 @@
           <p:cNvPr id="9" name="Picture 8">
             <a:extLst>
               <a:ext uri="{FF2B5EF4-FFF2-40B4-BE49-F238E27FC236}">
-                <a16:creationId xmlns:a16="http://schemas.microsoft.com/office/drawing/2014/main" id="{0B75AEB3-8836-9844-8C78-DD2038A84F1C}"/>
+                <a16:creationId xmlns:a16="http://schemas.microsoft.com/office/drawing/2014/main" xmlns="" id="{0B75AEB3-8836-9844-8C78-DD2038A84F1C}"/>
               </a:ext>
             </a:extLst>
           </p:cNvPr>
@@ -6252,7 +6252,7 @@
         </p:blipFill>
         <p:spPr>
           <a:xfrm>
-            <a:off x="860128" y="30463610"/>
+            <a:off x="1164928" y="30463610"/>
             <a:ext cx="10244314" cy="11535542"/>
           </a:xfrm>
           <a:prstGeom prst="rect">
@@ -6265,7 +6265,7 @@
           <p:cNvPr id="11" name="Picture 10">
             <a:extLst>
               <a:ext uri="{FF2B5EF4-FFF2-40B4-BE49-F238E27FC236}">
-                <a16:creationId xmlns:a16="http://schemas.microsoft.com/office/drawing/2014/main" id="{09799679-D978-8847-B703-4C0D19AD52D2}"/>
+                <a16:creationId xmlns:a16="http://schemas.microsoft.com/office/drawing/2014/main" xmlns="" id="{09799679-D978-8847-B703-4C0D19AD52D2}"/>
               </a:ext>
             </a:extLst>
           </p:cNvPr>
@@ -6301,7 +6301,7 @@
           <p:cNvPr id="25" name="Rectangle 24">
             <a:extLst>
               <a:ext uri="{FF2B5EF4-FFF2-40B4-BE49-F238E27FC236}">
-                <a16:creationId xmlns:a16="http://schemas.microsoft.com/office/drawing/2014/main" id="{E718B638-E4A5-7D46-BA7B-119872918548}"/>
+                <a16:creationId xmlns:a16="http://schemas.microsoft.com/office/drawing/2014/main" xmlns="" id="{E718B638-E4A5-7D46-BA7B-119872918548}"/>
               </a:ext>
             </a:extLst>
           </p:cNvPr>
@@ -6703,7 +6703,7 @@
           <p:cNvPr id="26" name="Rectangle 25">
             <a:extLst>
               <a:ext uri="{FF2B5EF4-FFF2-40B4-BE49-F238E27FC236}">
-                <a16:creationId xmlns:a16="http://schemas.microsoft.com/office/drawing/2014/main" id="{BF69202E-1EB5-B944-B977-96E0FF61538F}"/>
+                <a16:creationId xmlns:a16="http://schemas.microsoft.com/office/drawing/2014/main" xmlns="" id="{BF69202E-1EB5-B944-B977-96E0FF61538F}"/>
               </a:ext>
             </a:extLst>
           </p:cNvPr>
@@ -6719,7 +6719,7 @@
             <a:avLst/>
           </a:prstGeom>
           <a:noFill/>
-          <a:ln w="317500">
+          <a:ln w="152400">
             <a:solidFill>
               <a:srgbClr val="C50A0B"/>
             </a:solidFill>
@@ -6755,7 +6755,7 @@
           <p:cNvPr id="27" name="Rectangle 26">
             <a:extLst>
               <a:ext uri="{FF2B5EF4-FFF2-40B4-BE49-F238E27FC236}">
-                <a16:creationId xmlns:a16="http://schemas.microsoft.com/office/drawing/2014/main" id="{9C7CCE93-3844-EB45-9ED0-F788D6EF71EB}"/>
+                <a16:creationId xmlns:a16="http://schemas.microsoft.com/office/drawing/2014/main" xmlns="" id="{9C7CCE93-3844-EB45-9ED0-F788D6EF71EB}"/>
               </a:ext>
             </a:extLst>
           </p:cNvPr>
@@ -6771,7 +6771,7 @@
             <a:avLst/>
           </a:prstGeom>
           <a:noFill/>
-          <a:ln w="317500">
+          <a:ln w="152400">
             <a:solidFill>
               <a:srgbClr val="C50A0B"/>
             </a:solidFill>
@@ -6807,7 +6807,7 @@
           <p:cNvPr id="28" name="Rectangle 27">
             <a:extLst>
               <a:ext uri="{FF2B5EF4-FFF2-40B4-BE49-F238E27FC236}">
-                <a16:creationId xmlns:a16="http://schemas.microsoft.com/office/drawing/2014/main" id="{5A955ED8-7BB0-5B46-8134-94FAD110DB5D}"/>
+                <a16:creationId xmlns:a16="http://schemas.microsoft.com/office/drawing/2014/main" xmlns="" id="{5A955ED8-7BB0-5B46-8134-94FAD110DB5D}"/>
               </a:ext>
             </a:extLst>
           </p:cNvPr>
@@ -6823,7 +6823,7 @@
             <a:avLst/>
           </a:prstGeom>
           <a:noFill/>
-          <a:ln w="317500">
+          <a:ln w="152400">
             <a:solidFill>
               <a:srgbClr val="C50A0B"/>
             </a:solidFill>
@@ -6859,7 +6859,7 @@
           <p:cNvPr id="29" name="Rectangle 28">
             <a:extLst>
               <a:ext uri="{FF2B5EF4-FFF2-40B4-BE49-F238E27FC236}">
-                <a16:creationId xmlns:a16="http://schemas.microsoft.com/office/drawing/2014/main" id="{FCE3D7FB-D2F0-7644-A6CB-664EC2E5D8C4}"/>
+                <a16:creationId xmlns:a16="http://schemas.microsoft.com/office/drawing/2014/main" xmlns="" id="{FCE3D7FB-D2F0-7644-A6CB-664EC2E5D8C4}"/>
               </a:ext>
             </a:extLst>
           </p:cNvPr>
@@ -6875,7 +6875,7 @@
             <a:avLst/>
           </a:prstGeom>
           <a:noFill/>
-          <a:ln w="317500">
+          <a:ln w="152400">
             <a:solidFill>
               <a:srgbClr val="C50A0B"/>
             </a:solidFill>
@@ -6911,7 +6911,7 @@
           <p:cNvPr id="30" name="Rectangle 29">
             <a:extLst>
               <a:ext uri="{FF2B5EF4-FFF2-40B4-BE49-F238E27FC236}">
-                <a16:creationId xmlns:a16="http://schemas.microsoft.com/office/drawing/2014/main" id="{604D2D8F-273D-F34D-9D40-0B2F304C9F84}"/>
+                <a16:creationId xmlns:a16="http://schemas.microsoft.com/office/drawing/2014/main" xmlns="" id="{604D2D8F-273D-F34D-9D40-0B2F304C9F84}"/>
               </a:ext>
             </a:extLst>
           </p:cNvPr>
@@ -6921,7 +6921,7 @@
         <p:spPr>
           <a:xfrm>
             <a:off x="860128" y="29033097"/>
-            <a:ext cx="13302342" cy="1323439"/>
+            <a:ext cx="14006111" cy="1323439"/>
           </a:xfrm>
           <a:prstGeom prst="rect">
             <a:avLst/>
@@ -6966,7 +6966,7 @@
           <p:cNvPr id="32" name="Rectangle 31">
             <a:extLst>
               <a:ext uri="{FF2B5EF4-FFF2-40B4-BE49-F238E27FC236}">
-                <a16:creationId xmlns:a16="http://schemas.microsoft.com/office/drawing/2014/main" id="{6358FD90-9347-834B-9F0A-325A566D462A}"/>
+                <a16:creationId xmlns:a16="http://schemas.microsoft.com/office/drawing/2014/main" xmlns="" id="{6358FD90-9347-834B-9F0A-325A566D462A}"/>
               </a:ext>
             </a:extLst>
           </p:cNvPr>
@@ -6990,16 +6990,20 @@
           <a:p>
             <a:pPr algn="ctr"/>
             <a:r>
+              <a:rPr lang="en-US" sz="4400" b="1" dirty="0" smtClean="0"/>
+              <a:t>Antibiotic </a:t>
+            </a:r>
+            <a:r>
+              <a:rPr lang="en-US" sz="4400" b="1" dirty="0" err="1" smtClean="0"/>
+              <a:t>Thienamycin</a:t>
+            </a:r>
+            <a:r>
+              <a:rPr lang="en-US" sz="4400" b="1" dirty="0" smtClean="0"/>
+              <a:t> </a:t>
+            </a:r>
+            <a:r>
               <a:rPr lang="en-US" sz="4400" b="1" dirty="0"/>
-              <a:t>Antibiotic </a:t>
-            </a:r>
-            <a:r>
-              <a:rPr lang="en-US" sz="4400" b="1" dirty="0" err="1"/>
-              <a:t>Thienamycin</a:t>
-            </a:r>
-            <a:r>
-              <a:rPr lang="en-US" sz="4400" b="1" dirty="0"/>
-              <a:t> (1976)</a:t>
+              <a:t>(1976)</a:t>
             </a:r>
           </a:p>
           <a:p>
@@ -7017,7 +7021,7 @@
           <p:cNvPr id="33" name="Rectangle 32">
             <a:extLst>
               <a:ext uri="{FF2B5EF4-FFF2-40B4-BE49-F238E27FC236}">
-                <a16:creationId xmlns:a16="http://schemas.microsoft.com/office/drawing/2014/main" id="{97ACF86D-3FCE-E341-8E77-5E08512D96F0}"/>
+                <a16:creationId xmlns:a16="http://schemas.microsoft.com/office/drawing/2014/main" xmlns="" id="{97ACF86D-3FCE-E341-8E77-5E08512D96F0}"/>
               </a:ext>
             </a:extLst>
           </p:cNvPr>
@@ -7100,7 +7104,7 @@
           <p:cNvPr id="34" name="Rectangle 33">
             <a:extLst>
               <a:ext uri="{FF2B5EF4-FFF2-40B4-BE49-F238E27FC236}">
-                <a16:creationId xmlns:a16="http://schemas.microsoft.com/office/drawing/2014/main" id="{62C52D09-D903-8745-B31A-731A629F3A37}"/>
+                <a16:creationId xmlns:a16="http://schemas.microsoft.com/office/drawing/2014/main" xmlns="" id="{62C52D09-D903-8745-B31A-731A629F3A37}"/>
               </a:ext>
             </a:extLst>
           </p:cNvPr>
@@ -7194,7 +7198,7 @@
           <p:cNvPr id="13" name="Picture 12">
             <a:extLst>
               <a:ext uri="{FF2B5EF4-FFF2-40B4-BE49-F238E27FC236}">
-                <a16:creationId xmlns:a16="http://schemas.microsoft.com/office/drawing/2014/main" id="{213BDD40-E224-B848-BD2F-73723A580887}"/>
+                <a16:creationId xmlns:a16="http://schemas.microsoft.com/office/drawing/2014/main" xmlns="" id="{213BDD40-E224-B848-BD2F-73723A580887}"/>
               </a:ext>
             </a:extLst>
           </p:cNvPr>
@@ -7230,7 +7234,7 @@
           <p:cNvPr id="15" name="Straight Arrow Connector 14">
             <a:extLst>
               <a:ext uri="{FF2B5EF4-FFF2-40B4-BE49-F238E27FC236}">
-                <a16:creationId xmlns:a16="http://schemas.microsoft.com/office/drawing/2014/main" id="{BF1C7952-ADEA-E14A-8C86-536B8BC05932}"/>
+                <a16:creationId xmlns:a16="http://schemas.microsoft.com/office/drawing/2014/main" xmlns="" id="{BF1C7952-ADEA-E14A-8C86-536B8BC05932}"/>
               </a:ext>
             </a:extLst>
           </p:cNvPr>
@@ -7239,7 +7243,7 @@
         </p:nvCxnSpPr>
         <p:spPr>
           <a:xfrm flipH="1">
-            <a:off x="7144356" y="40895752"/>
+            <a:off x="8211156" y="40895752"/>
             <a:ext cx="4194601" cy="0"/>
           </a:xfrm>
           <a:prstGeom prst="straightConnector1">
@@ -7272,7 +7276,7 @@
           <p:cNvPr id="38" name="Straight Arrow Connector 37">
             <a:extLst>
               <a:ext uri="{FF2B5EF4-FFF2-40B4-BE49-F238E27FC236}">
-                <a16:creationId xmlns:a16="http://schemas.microsoft.com/office/drawing/2014/main" id="{E4B70257-7032-E943-9D79-4008C0384118}"/>
+                <a16:creationId xmlns:a16="http://schemas.microsoft.com/office/drawing/2014/main" xmlns="" id="{E4B70257-7032-E943-9D79-4008C0384118}"/>
               </a:ext>
             </a:extLst>
           </p:cNvPr>
@@ -7283,7 +7287,7 @@
         </p:nvCxnSpPr>
         <p:spPr>
           <a:xfrm flipH="1">
-            <a:off x="9241657" y="34018799"/>
+            <a:off x="9673457" y="34018799"/>
             <a:ext cx="2931979" cy="2212583"/>
           </a:xfrm>
           <a:prstGeom prst="straightConnector1">
@@ -7316,7 +7320,7 @@
           <p:cNvPr id="41" name="Straight Arrow Connector 40">
             <a:extLst>
               <a:ext uri="{FF2B5EF4-FFF2-40B4-BE49-F238E27FC236}">
-                <a16:creationId xmlns:a16="http://schemas.microsoft.com/office/drawing/2014/main" id="{7AF0F746-9ED1-8642-9BD1-8CAEB665ED0F}"/>
+                <a16:creationId xmlns:a16="http://schemas.microsoft.com/office/drawing/2014/main" xmlns="" id="{7AF0F746-9ED1-8642-9BD1-8CAEB665ED0F}"/>
               </a:ext>
             </a:extLst>
           </p:cNvPr>
@@ -7327,7 +7331,7 @@
         </p:nvCxnSpPr>
         <p:spPr>
           <a:xfrm flipH="1" flipV="1">
-            <a:off x="8229557" y="32359540"/>
+            <a:off x="8661357" y="32359540"/>
             <a:ext cx="3944079" cy="527329"/>
           </a:xfrm>
           <a:prstGeom prst="straightConnector1">
@@ -7360,7 +7364,7 @@
           <p:cNvPr id="42" name="Rectangle 41">
             <a:extLst>
               <a:ext uri="{FF2B5EF4-FFF2-40B4-BE49-F238E27FC236}">
-                <a16:creationId xmlns:a16="http://schemas.microsoft.com/office/drawing/2014/main" id="{40C1FFC2-F5AC-7944-8EB6-D2591DD378B6}"/>
+                <a16:creationId xmlns:a16="http://schemas.microsoft.com/office/drawing/2014/main" xmlns="" id="{40C1FFC2-F5AC-7944-8EB6-D2591DD378B6}"/>
               </a:ext>
             </a:extLst>
           </p:cNvPr>
@@ -7369,7 +7373,7 @@
         </p:nvSpPr>
         <p:spPr>
           <a:xfrm>
-            <a:off x="11526520" y="40295587"/>
+            <a:off x="12593320" y="40295587"/>
             <a:ext cx="2357274" cy="1200329"/>
           </a:xfrm>
           <a:prstGeom prst="rect">
@@ -7404,7 +7408,7 @@
           <p:cNvPr id="45" name="Rectangle 44">
             <a:extLst>
               <a:ext uri="{FF2B5EF4-FFF2-40B4-BE49-F238E27FC236}">
-                <a16:creationId xmlns:a16="http://schemas.microsoft.com/office/drawing/2014/main" id="{672A3359-AB32-7C41-A912-84C26F0A84F1}"/>
+                <a16:creationId xmlns:a16="http://schemas.microsoft.com/office/drawing/2014/main" xmlns="" id="{672A3359-AB32-7C41-A912-84C26F0A84F1}"/>
               </a:ext>
             </a:extLst>
           </p:cNvPr>
@@ -7413,7 +7417,7 @@
         </p:nvSpPr>
         <p:spPr>
           <a:xfrm>
-            <a:off x="12238818" y="32359540"/>
+            <a:off x="12670618" y="32359540"/>
             <a:ext cx="3060778" cy="1754326"/>
           </a:xfrm>
           <a:prstGeom prst="rect">
@@ -7440,7 +7444,7 @@
           <p:cNvPr id="46" name="Straight Arrow Connector 45">
             <a:extLst>
               <a:ext uri="{FF2B5EF4-FFF2-40B4-BE49-F238E27FC236}">
-                <a16:creationId xmlns:a16="http://schemas.microsoft.com/office/drawing/2014/main" id="{AEB2A727-AEF4-CC48-BC07-4D69D9A0B2CF}"/>
+                <a16:creationId xmlns:a16="http://schemas.microsoft.com/office/drawing/2014/main" xmlns="" id="{AEB2A727-AEF4-CC48-BC07-4D69D9A0B2CF}"/>
               </a:ext>
             </a:extLst>
           </p:cNvPr>
@@ -7482,7 +7486,7 @@
           <p:cNvPr id="47" name="Rectangle 46">
             <a:extLst>
               <a:ext uri="{FF2B5EF4-FFF2-40B4-BE49-F238E27FC236}">
-                <a16:creationId xmlns:a16="http://schemas.microsoft.com/office/drawing/2014/main" id="{C389F228-4682-5041-926E-6F9170B487CB}"/>
+                <a16:creationId xmlns:a16="http://schemas.microsoft.com/office/drawing/2014/main" xmlns="" id="{C389F228-4682-5041-926E-6F9170B487CB}"/>
               </a:ext>
             </a:extLst>
           </p:cNvPr>
@@ -7518,7 +7522,7 @@
           <p:cNvPr id="50" name="Straight Arrow Connector 49">
             <a:extLst>
               <a:ext uri="{FF2B5EF4-FFF2-40B4-BE49-F238E27FC236}">
-                <a16:creationId xmlns:a16="http://schemas.microsoft.com/office/drawing/2014/main" id="{9F253959-3AC2-7343-B091-F9B89F2D42EF}"/>
+                <a16:creationId xmlns:a16="http://schemas.microsoft.com/office/drawing/2014/main" xmlns="" id="{9F253959-3AC2-7343-B091-F9B89F2D42EF}"/>
               </a:ext>
             </a:extLst>
           </p:cNvPr>
@@ -7562,7 +7566,7 @@
           <p:cNvPr id="51" name="Straight Arrow Connector 50">
             <a:extLst>
               <a:ext uri="{FF2B5EF4-FFF2-40B4-BE49-F238E27FC236}">
-                <a16:creationId xmlns:a16="http://schemas.microsoft.com/office/drawing/2014/main" id="{31F057D7-B2FB-804F-8FC9-7D78F61B3ABE}"/>
+                <a16:creationId xmlns:a16="http://schemas.microsoft.com/office/drawing/2014/main" xmlns="" id="{31F057D7-B2FB-804F-8FC9-7D78F61B3ABE}"/>
               </a:ext>
             </a:extLst>
           </p:cNvPr>
@@ -7606,7 +7610,7 @@
           <p:cNvPr id="52" name="Rectangle 51">
             <a:extLst>
               <a:ext uri="{FF2B5EF4-FFF2-40B4-BE49-F238E27FC236}">
-                <a16:creationId xmlns:a16="http://schemas.microsoft.com/office/drawing/2014/main" id="{2A291FEB-C283-B046-A341-CC84E970F74C}"/>
+                <a16:creationId xmlns:a16="http://schemas.microsoft.com/office/drawing/2014/main" xmlns="" id="{2A291FEB-C283-B046-A341-CC84E970F74C}"/>
               </a:ext>
             </a:extLst>
           </p:cNvPr>
@@ -7862,7 +7866,7 @@
   <a:extraClrSchemeLst/>
   <a:extLst>
     <a:ext uri="{05A4C25C-085E-4340-85A3-A5531E510DB2}">
-      <thm15:themeFamily xmlns:thm15="http://schemas.microsoft.com/office/thememl/2012/main" name="ecocloud-poster.potx" id="{F0256F0C-9A18-4840-9CB7-91D9050078A8}" vid="{18509DD0-A6F6-4101-9A29-96219CD34C8C}"/>
+      <thm15:themeFamily xmlns:thm15="http://schemas.microsoft.com/office/thememl/2012/main" xmlns="" name="ecocloud-poster.potx" id="{F0256F0C-9A18-4840-9CB7-91D9050078A8}" vid="{18509DD0-A6F6-4101-9A29-96219CD34C8C}"/>
     </a:ext>
   </a:extLst>
 </a:theme>
@@ -8123,7 +8127,7 @@
   <a:extraClrSchemeLst/>
   <a:extLst>
     <a:ext uri="{05A4C25C-085E-4340-85A3-A5531E510DB2}">
-      <thm15:themeFamily xmlns:thm15="http://schemas.microsoft.com/office/thememl/2012/main" name="Office Theme" id="{62F939B6-93AF-4DB8-9C6B-D6C7DFDC589F}" vid="{4A3C46E8-61CC-4603-A589-7422A47A8E4A}"/>
+      <thm15:themeFamily xmlns:thm15="http://schemas.microsoft.com/office/thememl/2012/main" xmlns="" name="Office Theme" id="{62F939B6-93AF-4DB8-9C6B-D6C7DFDC589F}" vid="{4A3C46E8-61CC-4603-A589-7422A47A8E4A}"/>
     </a:ext>
   </a:extLst>
 </a:theme>
@@ -8384,7 +8388,7 @@
   <a:extraClrSchemeLst/>
   <a:extLst>
     <a:ext uri="{05A4C25C-085E-4340-85A3-A5531E510DB2}">
-      <thm15:themeFamily xmlns:thm15="http://schemas.microsoft.com/office/thememl/2012/main" name="Office Theme" id="{62F939B6-93AF-4DB8-9C6B-D6C7DFDC589F}" vid="{4A3C46E8-61CC-4603-A589-7422A47A8E4A}"/>
+      <thm15:themeFamily xmlns:thm15="http://schemas.microsoft.com/office/thememl/2012/main" xmlns="" name="Office Theme" id="{62F939B6-93AF-4DB8-9C6B-D6C7DFDC589F}" vid="{4A3C46E8-61CC-4603-A589-7422A47A8E4A}"/>
     </a:ext>
   </a:extLst>
 </a:theme>
